--- a/FINAL_ASSESSMENT/TE_FA_DB_SWEKAR_KT.pptx
+++ b/FINAL_ASSESSMENT/TE_FA_DB_SWEKAR_KT.pptx
@@ -3547,7 +3547,7 @@
           <a:lstStyle/>
           <a:p>
             <a:r>
-              <a:rPr lang="en-US" b="1" i="0" dirty="0">
+              <a:rPr lang="en-US" dirty="0">
                 <a:effectLst/>
                 <a:latin typeface="Roboto" panose="02000000000000000000" pitchFamily="2" charset="0"/>
               </a:rPr>
@@ -3573,67 +3573,17 @@
             <p:ph idx="1"/>
           </p:nvPr>
         </p:nvSpPr>
-        <p:spPr/>
+        <p:spPr>
+          <a:xfrm>
+            <a:off x="838200" y="1886347"/>
+            <a:ext cx="10515600" cy="4351338"/>
+          </a:xfrm>
+        </p:spPr>
         <p:txBody>
           <a:bodyPr>
-            <a:normAutofit/>
+            <a:normAutofit lnSpcReduction="10000"/>
           </a:bodyPr>
           <a:lstStyle/>
-          <a:p>
-            <a:r>
-              <a:rPr lang="en-US" sz="1800" b="0" i="0" dirty="0">
-                <a:effectLst/>
-                <a:latin typeface="Roboto" panose="02000000000000000000" pitchFamily="2" charset="0"/>
-              </a:rPr>
-              <a:t>Tasks performed: </a:t>
-            </a:r>
-            <a:br>
-              <a:rPr lang="en-US" sz="1800" dirty="0"/>
-            </a:br>
-            <a:r>
-              <a:rPr lang="en-US" sz="1800" b="0" i="0" dirty="0">
-                <a:effectLst/>
-                <a:latin typeface="Roboto" panose="02000000000000000000" pitchFamily="2" charset="0"/>
-              </a:rPr>
-              <a:t>1. Operations performed : </a:t>
-            </a:r>
-          </a:p>
-          <a:p>
-            <a:pPr marL="0" indent="0">
-              <a:buNone/>
-            </a:pPr>
-            <a:r>
-              <a:rPr lang="en-US" sz="1800" b="0" i="0" dirty="0">
-                <a:effectLst/>
-                <a:latin typeface="Roboto" panose="02000000000000000000" pitchFamily="2" charset="0"/>
-              </a:rPr>
-              <a:t>DDL(CREATE, DROP, ALTER)</a:t>
-            </a:r>
-          </a:p>
-          <a:p>
-            <a:pPr marL="0" indent="0">
-              <a:buNone/>
-            </a:pPr>
-            <a:r>
-              <a:rPr lang="en-US" sz="1800" b="0" i="0" dirty="0">
-                <a:effectLst/>
-                <a:latin typeface="Roboto" panose="02000000000000000000" pitchFamily="2" charset="0"/>
-              </a:rPr>
-              <a:t>DML,(INSERT,UPDATE,DELETE)</a:t>
-            </a:r>
-          </a:p>
-          <a:p>
-            <a:pPr marL="0" indent="0">
-              <a:buNone/>
-            </a:pPr>
-            <a:r>
-              <a:rPr lang="en-US" sz="1800" b="0" i="0" dirty="0">
-                <a:effectLst/>
-                <a:latin typeface="Roboto" panose="02000000000000000000" pitchFamily="2" charset="0"/>
-              </a:rPr>
-              <a:t>DQL(SELECT(JOINS, AGGREGATE</a:t>
-            </a:r>
-          </a:p>
           <a:p>
             <a:pPr marL="0" indent="0">
               <a:buNone/>
@@ -3646,7 +3596,70 @@
                 <a:effectLst/>
                 <a:latin typeface="Roboto" panose="02000000000000000000" pitchFamily="2" charset="0"/>
               </a:rPr>
+              <a:t>1. Operations performed : </a:t>
+            </a:r>
+          </a:p>
+          <a:p>
+            <a:pPr marL="0" indent="0">
+              <a:buNone/>
+            </a:pPr>
+            <a:r>
+              <a:rPr lang="en-US" sz="1800" b="0" i="0" dirty="0">
+                <a:effectLst/>
+                <a:latin typeface="Roboto" panose="02000000000000000000" pitchFamily="2" charset="0"/>
+              </a:rPr>
+              <a:t>DDL(CREATE, DROP, ALTER)</a:t>
+            </a:r>
+          </a:p>
+          <a:p>
+            <a:pPr marL="0" indent="0">
+              <a:buNone/>
+            </a:pPr>
+            <a:r>
+              <a:rPr lang="en-US" sz="1800" b="0" i="0" dirty="0">
+                <a:effectLst/>
+                <a:latin typeface="Roboto" panose="02000000000000000000" pitchFamily="2" charset="0"/>
+              </a:rPr>
+              <a:t>DML,(INSERT,UPDATE,DELETE)</a:t>
+            </a:r>
+          </a:p>
+          <a:p>
+            <a:pPr marL="0" indent="0">
+              <a:buNone/>
+            </a:pPr>
+            <a:r>
+              <a:rPr lang="en-US" sz="1800" b="0" i="0" dirty="0">
+                <a:effectLst/>
+                <a:latin typeface="Roboto" panose="02000000000000000000" pitchFamily="2" charset="0"/>
+              </a:rPr>
+              <a:t>DQL(SELECT(JOINS, AGGREGATE</a:t>
+            </a:r>
+          </a:p>
+          <a:p>
+            <a:pPr marL="0" indent="0">
+              <a:buNone/>
+            </a:pPr>
+            <a:br>
+              <a:rPr lang="en-US" sz="1800" dirty="0"/>
+            </a:br>
+            <a:r>
+              <a:rPr lang="en-US" sz="1800" b="0" i="0" dirty="0">
+                <a:effectLst/>
+                <a:latin typeface="Roboto" panose="02000000000000000000" pitchFamily="2" charset="0"/>
+              </a:rPr>
               <a:t>2. Normalization – 1NF, 2NF, 3NF</a:t>
+            </a:r>
+          </a:p>
+          <a:p>
+            <a:pPr marL="0" indent="0">
+              <a:buNone/>
+            </a:pPr>
+            <a:r>
+              <a:rPr lang="en-US" sz="1800" b="0" i="0" dirty="0">
+                <a:effectLst/>
+                <a:latin typeface="Roboto" panose="02000000000000000000" pitchFamily="2" charset="0"/>
+              </a:rPr>
+              <a:t>3. Joined the tables </a:t>
             </a:r>
           </a:p>
           <a:p>
@@ -3657,13 +3670,7 @@
               <a:rPr lang="en-US" sz="1800" dirty="0">
                 <a:latin typeface="Roboto" panose="02000000000000000000" pitchFamily="2" charset="0"/>
               </a:rPr>
-              <a:t>Created views for </a:t>
-            </a:r>
-            <a:r>
-              <a:rPr lang="en-US" sz="1800">
-                <a:latin typeface="Roboto" panose="02000000000000000000" pitchFamily="2" charset="0"/>
-              </a:rPr>
-              <a:t>different scenarios.</a:t>
+              <a:t>4.Created views for different scenarios.</a:t>
             </a:r>
             <a:br>
               <a:rPr lang="en-US" sz="1800" dirty="0"/>
@@ -3754,6 +3761,41 @@
           </a:prstGeom>
         </p:spPr>
       </p:pic>
+      <p:sp>
+        <p:nvSpPr>
+          <p:cNvPr id="4" name="TextBox 3">
+            <a:extLst>
+              <a:ext uri="{FF2B5EF4-FFF2-40B4-BE49-F238E27FC236}">
+                <a16:creationId xmlns:a16="http://schemas.microsoft.com/office/drawing/2014/main" id="{58ECF82D-321B-0E1F-CA91-C1FF0AEF3722}"/>
+              </a:ext>
+            </a:extLst>
+          </p:cNvPr>
+          <p:cNvSpPr txBox="1"/>
+          <p:nvPr/>
+        </p:nvSpPr>
+        <p:spPr>
+          <a:xfrm>
+            <a:off x="8094846" y="5880434"/>
+            <a:ext cx="4004110" cy="369332"/>
+          </a:xfrm>
+          <a:prstGeom prst="rect">
+            <a:avLst/>
+          </a:prstGeom>
+          <a:noFill/>
+        </p:spPr>
+        <p:txBody>
+          <a:bodyPr wrap="square" rtlCol="0">
+            <a:spAutoFit/>
+          </a:bodyPr>
+          <a:lstStyle/>
+          <a:p>
+            <a:r>
+              <a:rPr lang="en-US" dirty="0"/>
+              <a:t>Fig.  Entity Relation Diagram</a:t>
+            </a:r>
+          </a:p>
+        </p:txBody>
+      </p:sp>
     </p:spTree>
     <p:extLst>
       <p:ext uri="{BB962C8B-B14F-4D97-AF65-F5344CB8AC3E}">
@@ -4383,9 +4425,20 @@
                 <a:effectLst/>
                 <a:latin typeface="Roboto" panose="02000000000000000000" pitchFamily="2" charset="0"/>
               </a:rPr>
-              <a:t> Integration services using IICS</a:t>
-            </a:r>
-            <a:endParaRPr lang="en-US" dirty="0"/>
+              <a:t> </a:t>
+            </a:r>
+            <a:r>
+              <a:rPr lang="en-US" b="0" i="0" dirty="0">
+                <a:effectLst/>
+                <a:latin typeface="Times New Roman" panose="02020603050405020304" pitchFamily="18" charset="0"/>
+                <a:cs typeface="Times New Roman" panose="02020603050405020304" pitchFamily="18" charset="0"/>
+              </a:rPr>
+              <a:t>Integration services using IICS</a:t>
+            </a:r>
+            <a:endParaRPr lang="en-US" dirty="0">
+              <a:latin typeface="Times New Roman" panose="02020603050405020304" pitchFamily="18" charset="0"/>
+              <a:cs typeface="Times New Roman" panose="02020603050405020304" pitchFamily="18" charset="0"/>
+            </a:endParaRPr>
           </a:p>
         </p:txBody>
       </p:sp>
@@ -4411,37 +4464,55 @@
           <a:lstStyle/>
           <a:p>
             <a:r>
-              <a:rPr lang="en-US" dirty="0"/>
+              <a:rPr lang="en-US" dirty="0">
+                <a:latin typeface="Times New Roman" panose="02020603050405020304" pitchFamily="18" charset="0"/>
+                <a:cs typeface="Times New Roman" panose="02020603050405020304" pitchFamily="18" charset="0"/>
+              </a:rPr>
               <a:t>Made connection to the database.</a:t>
             </a:r>
           </a:p>
           <a:p>
             <a:r>
-              <a:rPr lang="en-US" dirty="0"/>
+              <a:rPr lang="en-US" dirty="0">
+                <a:latin typeface="Times New Roman" panose="02020603050405020304" pitchFamily="18" charset="0"/>
+                <a:cs typeface="Times New Roman" panose="02020603050405020304" pitchFamily="18" charset="0"/>
+              </a:rPr>
               <a:t>Performed Extract Transform(sort) and Load from DB to DB</a:t>
             </a:r>
           </a:p>
           <a:p>
             <a:r>
-              <a:rPr lang="en-US" dirty="0"/>
+              <a:rPr lang="en-US" dirty="0">
+                <a:latin typeface="Times New Roman" panose="02020603050405020304" pitchFamily="18" charset="0"/>
+                <a:cs typeface="Times New Roman" panose="02020603050405020304" pitchFamily="18" charset="0"/>
+              </a:rPr>
               <a:t>Performed SCD1 and SCD2 in a mapping task.</a:t>
             </a:r>
           </a:p>
           <a:p>
             <a:r>
-              <a:rPr lang="en-US" dirty="0"/>
+              <a:rPr lang="en-US" dirty="0">
+                <a:latin typeface="Times New Roman" panose="02020603050405020304" pitchFamily="18" charset="0"/>
+                <a:cs typeface="Times New Roman" panose="02020603050405020304" pitchFamily="18" charset="0"/>
+              </a:rPr>
               <a:t>Performed Aggregate task on Carmaker column of car sales table.</a:t>
             </a:r>
           </a:p>
           <a:p>
             <a:r>
-              <a:rPr lang="en-US" dirty="0"/>
+              <a:rPr lang="en-US" dirty="0">
+                <a:latin typeface="Times New Roman" panose="02020603050405020304" pitchFamily="18" charset="0"/>
+                <a:cs typeface="Times New Roman" panose="02020603050405020304" pitchFamily="18" charset="0"/>
+              </a:rPr>
               <a:t>Performed a replication task on a table considering an auditing scenario from one DB to another.</a:t>
             </a:r>
           </a:p>
           <a:p>
             <a:r>
-              <a:rPr lang="en-US" dirty="0"/>
+              <a:rPr lang="en-US" dirty="0">
+                <a:latin typeface="Times New Roman" panose="02020603050405020304" pitchFamily="18" charset="0"/>
+                <a:cs typeface="Times New Roman" panose="02020603050405020304" pitchFamily="18" charset="0"/>
+              </a:rPr>
               <a:t>Performed a replication task on entire DB</a:t>
             </a:r>
           </a:p>
@@ -4507,11 +4578,15 @@
             <a:r>
               <a:rPr lang="en-US" b="0" i="0" dirty="0">
                 <a:effectLst/>
-                <a:latin typeface="Roboto" panose="02000000000000000000" pitchFamily="2" charset="0"/>
+                <a:latin typeface="Times New Roman" panose="02020603050405020304" pitchFamily="18" charset="0"/>
+                <a:cs typeface="Times New Roman" panose="02020603050405020304" pitchFamily="18" charset="0"/>
               </a:rPr>
               <a:t>Big Picture</a:t>
             </a:r>
-            <a:endParaRPr lang="en-US" dirty="0"/>
+            <a:endParaRPr lang="en-US" dirty="0">
+              <a:latin typeface="Times New Roman" panose="02020603050405020304" pitchFamily="18" charset="0"/>
+              <a:cs typeface="Times New Roman" panose="02020603050405020304" pitchFamily="18" charset="0"/>
+            </a:endParaRPr>
           </a:p>
         </p:txBody>
       </p:sp>
@@ -4868,6 +4943,12 @@
 </file>
 
 <file path=customXml/item2.xml><?xml version="1.0" encoding="utf-8"?>
+<p:properties xmlns:p="http://schemas.microsoft.com/office/2006/metadata/properties" xmlns:xsi="http://www.w3.org/2001/XMLSchema-instance" xmlns:pc="http://schemas.microsoft.com/office/infopath/2007/PartnerControls">
+  <documentManagement/>
+</p:properties>
+</file>
+
+<file path=customXml/item3.xml><?xml version="1.0" encoding="utf-8"?>
 <ct:contentTypeSchema xmlns:ct="http://schemas.microsoft.com/office/2006/metadata/contentType" xmlns:ma="http://schemas.microsoft.com/office/2006/metadata/properties/metaAttributes" ct:_="" ma:_="" ma:contentTypeName="Document" ma:contentTypeID="0x010100394F00564EAF7B42BFA20942AA2AF835" ma:contentTypeVersion="5" ma:contentTypeDescription="Create a new document." ma:contentTypeScope="" ma:versionID="f173faa7f3fa6478cbf65af8df15f8ff">
   <xsd:schema xmlns:xsd="http://www.w3.org/2001/XMLSchema" xmlns:xs="http://www.w3.org/2001/XMLSchema" xmlns:p="http://schemas.microsoft.com/office/2006/metadata/properties" xmlns:ns3="cffd7456-c717-4b8c-b930-03dc25460da4" targetNamespace="http://schemas.microsoft.com/office/2006/metadata/properties" ma:root="true" ma:fieldsID="7aa0e0f84287624546f76ea464655f64" ns3:_="">
     <xsd:import namespace="cffd7456-c717-4b8c-b930-03dc25460da4"/>
@@ -5017,12 +5098,6 @@
 </ct:contentTypeSchema>
 </file>
 
-<file path=customXml/item3.xml><?xml version="1.0" encoding="utf-8"?>
-<p:properties xmlns:p="http://schemas.microsoft.com/office/2006/metadata/properties" xmlns:xsi="http://www.w3.org/2001/XMLSchema-instance" xmlns:pc="http://schemas.microsoft.com/office/infopath/2007/PartnerControls">
-  <documentManagement/>
-</p:properties>
-</file>
-
 <file path=customXml/itemProps1.xml><?xml version="1.0" encoding="utf-8"?>
 <ds:datastoreItem xmlns:ds="http://schemas.openxmlformats.org/officeDocument/2006/customXml" ds:itemID="{9F239C80-0045-43E9-BFE6-E7AB2B1A2769}">
   <ds:schemaRefs>
@@ -5032,6 +5107,22 @@
 </file>
 
 <file path=customXml/itemProps2.xml><?xml version="1.0" encoding="utf-8"?>
+<ds:datastoreItem xmlns:ds="http://schemas.openxmlformats.org/officeDocument/2006/customXml" ds:itemID="{A09A4A27-B70A-467E-862E-1C14BDCAC582}">
+  <ds:schemaRefs>
+    <ds:schemaRef ds:uri="cffd7456-c717-4b8c-b930-03dc25460da4"/>
+    <ds:schemaRef ds:uri="http://schemas.microsoft.com/office/2006/documentManagement/types"/>
+    <ds:schemaRef ds:uri="http://purl.org/dc/dcmitype/"/>
+    <ds:schemaRef ds:uri="http://purl.org/dc/terms/"/>
+    <ds:schemaRef ds:uri="http://schemas.microsoft.com/office/2006/metadata/properties"/>
+    <ds:schemaRef ds:uri="http://schemas.openxmlformats.org/package/2006/metadata/core-properties"/>
+    <ds:schemaRef ds:uri="http://schemas.microsoft.com/office/infopath/2007/PartnerControls"/>
+    <ds:schemaRef ds:uri="http://www.w3.org/XML/1998/namespace"/>
+    <ds:schemaRef ds:uri="http://purl.org/dc/elements/1.1/"/>
+  </ds:schemaRefs>
+</ds:datastoreItem>
+</file>
+
+<file path=customXml/itemProps3.xml><?xml version="1.0" encoding="utf-8"?>
 <ds:datastoreItem xmlns:ds="http://schemas.openxmlformats.org/officeDocument/2006/customXml" ds:itemID="{FC69C535-4D27-4338-B38F-6F363215F2FE}">
   <ds:schemaRefs>
     <ds:schemaRef ds:uri="cffd7456-c717-4b8c-b930-03dc25460da4"/>
@@ -5047,20 +5138,4 @@
     <ds:schemaRef ds:uri="http://www.w3.org/2001/XMLSchema"/>
   </ds:schemaRefs>
 </ds:datastoreItem>
-</file>
-
-<file path=customXml/itemProps3.xml><?xml version="1.0" encoding="utf-8"?>
-<ds:datastoreItem xmlns:ds="http://schemas.openxmlformats.org/officeDocument/2006/customXml" ds:itemID="{A09A4A27-B70A-467E-862E-1C14BDCAC582}">
-  <ds:schemaRefs>
-    <ds:schemaRef ds:uri="cffd7456-c717-4b8c-b930-03dc25460da4"/>
-    <ds:schemaRef ds:uri="http://schemas.microsoft.com/office/2006/documentManagement/types"/>
-    <ds:schemaRef ds:uri="http://purl.org/dc/dcmitype/"/>
-    <ds:schemaRef ds:uri="http://purl.org/dc/terms/"/>
-    <ds:schemaRef ds:uri="http://schemas.microsoft.com/office/2006/metadata/properties"/>
-    <ds:schemaRef ds:uri="http://schemas.openxmlformats.org/package/2006/metadata/core-properties"/>
-    <ds:schemaRef ds:uri="http://schemas.microsoft.com/office/infopath/2007/PartnerControls"/>
-    <ds:schemaRef ds:uri="http://www.w3.org/XML/1998/namespace"/>
-    <ds:schemaRef ds:uri="http://purl.org/dc/elements/1.1/"/>
-  </ds:schemaRefs>
-</ds:datastoreItem>
 </file>
--- a/FINAL_ASSESSMENT/TE_FA_DB_SWEKAR_KT.pptx
+++ b/FINAL_ASSESSMENT/TE_FA_DB_SWEKAR_KT.pptx
@@ -11,6 +11,7 @@
     <p:sldId id="259" r:id="rId8"/>
     <p:sldId id="260" r:id="rId9"/>
     <p:sldId id="261" r:id="rId10"/>
+    <p:sldId id="262" r:id="rId11"/>
   </p:sldIdLst>
   <p:sldSz cx="12192000" cy="6858000"/>
   <p:notesSz cx="6858000" cy="9144000"/>
@@ -272,7 +273,7 @@
           <a:p>
             <a:fld id="{F7B29E51-45A8-490C-852C-7EDB4A91BA0C}" type="datetimeFigureOut">
               <a:rPr lang="en-US" smtClean="0"/>
-              <a:t>10/11/2022</a:t>
+              <a:t>10/14/2022</a:t>
             </a:fld>
             <a:endParaRPr lang="en-US"/>
           </a:p>
@@ -470,7 +471,7 @@
           <a:p>
             <a:fld id="{F7B29E51-45A8-490C-852C-7EDB4A91BA0C}" type="datetimeFigureOut">
               <a:rPr lang="en-US" smtClean="0"/>
-              <a:t>10/11/2022</a:t>
+              <a:t>10/14/2022</a:t>
             </a:fld>
             <a:endParaRPr lang="en-US"/>
           </a:p>
@@ -678,7 +679,7 @@
           <a:p>
             <a:fld id="{F7B29E51-45A8-490C-852C-7EDB4A91BA0C}" type="datetimeFigureOut">
               <a:rPr lang="en-US" smtClean="0"/>
-              <a:t>10/11/2022</a:t>
+              <a:t>10/14/2022</a:t>
             </a:fld>
             <a:endParaRPr lang="en-US"/>
           </a:p>
@@ -876,7 +877,7 @@
           <a:p>
             <a:fld id="{F7B29E51-45A8-490C-852C-7EDB4A91BA0C}" type="datetimeFigureOut">
               <a:rPr lang="en-US" smtClean="0"/>
-              <a:t>10/11/2022</a:t>
+              <a:t>10/14/2022</a:t>
             </a:fld>
             <a:endParaRPr lang="en-US"/>
           </a:p>
@@ -1151,7 +1152,7 @@
           <a:p>
             <a:fld id="{F7B29E51-45A8-490C-852C-7EDB4A91BA0C}" type="datetimeFigureOut">
               <a:rPr lang="en-US" smtClean="0"/>
-              <a:t>10/11/2022</a:t>
+              <a:t>10/14/2022</a:t>
             </a:fld>
             <a:endParaRPr lang="en-US"/>
           </a:p>
@@ -1416,7 +1417,7 @@
           <a:p>
             <a:fld id="{F7B29E51-45A8-490C-852C-7EDB4A91BA0C}" type="datetimeFigureOut">
               <a:rPr lang="en-US" smtClean="0"/>
-              <a:t>10/11/2022</a:t>
+              <a:t>10/14/2022</a:t>
             </a:fld>
             <a:endParaRPr lang="en-US"/>
           </a:p>
@@ -1828,7 +1829,7 @@
           <a:p>
             <a:fld id="{F7B29E51-45A8-490C-852C-7EDB4A91BA0C}" type="datetimeFigureOut">
               <a:rPr lang="en-US" smtClean="0"/>
-              <a:t>10/11/2022</a:t>
+              <a:t>10/14/2022</a:t>
             </a:fld>
             <a:endParaRPr lang="en-US"/>
           </a:p>
@@ -1969,7 +1970,7 @@
           <a:p>
             <a:fld id="{F7B29E51-45A8-490C-852C-7EDB4A91BA0C}" type="datetimeFigureOut">
               <a:rPr lang="en-US" smtClean="0"/>
-              <a:t>10/11/2022</a:t>
+              <a:t>10/14/2022</a:t>
             </a:fld>
             <a:endParaRPr lang="en-US"/>
           </a:p>
@@ -2082,7 +2083,7 @@
           <a:p>
             <a:fld id="{F7B29E51-45A8-490C-852C-7EDB4A91BA0C}" type="datetimeFigureOut">
               <a:rPr lang="en-US" smtClean="0"/>
-              <a:t>10/11/2022</a:t>
+              <a:t>10/14/2022</a:t>
             </a:fld>
             <a:endParaRPr lang="en-US"/>
           </a:p>
@@ -2393,7 +2394,7 @@
           <a:p>
             <a:fld id="{F7B29E51-45A8-490C-852C-7EDB4A91BA0C}" type="datetimeFigureOut">
               <a:rPr lang="en-US" smtClean="0"/>
-              <a:t>10/11/2022</a:t>
+              <a:t>10/14/2022</a:t>
             </a:fld>
             <a:endParaRPr lang="en-US"/>
           </a:p>
@@ -2681,7 +2682,7 @@
           <a:p>
             <a:fld id="{F7B29E51-45A8-490C-852C-7EDB4A91BA0C}" type="datetimeFigureOut">
               <a:rPr lang="en-US" smtClean="0"/>
-              <a:t>10/11/2022</a:t>
+              <a:t>10/14/2022</a:t>
             </a:fld>
             <a:endParaRPr lang="en-US"/>
           </a:p>
@@ -2922,7 +2923,7 @@
           <a:p>
             <a:fld id="{F7B29E51-45A8-490C-852C-7EDB4A91BA0C}" type="datetimeFigureOut">
               <a:rPr lang="en-US" smtClean="0"/>
-              <a:t>10/11/2022</a:t>
+              <a:t>10/14/2022</a:t>
             </a:fld>
             <a:endParaRPr lang="en-US"/>
           </a:p>
@@ -4638,6 +4639,167 @@
 </p:sld>
 </file>
 
+<file path=ppt/slides/slide7.xml><?xml version="1.0" encoding="utf-8"?>
+<p:sld xmlns:a="http://schemas.openxmlformats.org/drawingml/2006/main" xmlns:r="http://schemas.openxmlformats.org/officeDocument/2006/relationships" xmlns:p="http://schemas.openxmlformats.org/presentationml/2006/main">
+  <p:cSld>
+    <p:spTree>
+      <p:nvGrpSpPr>
+        <p:cNvPr id="1" name=""/>
+        <p:cNvGrpSpPr/>
+        <p:nvPr/>
+      </p:nvGrpSpPr>
+      <p:grpSpPr>
+        <a:xfrm>
+          <a:off x="0" y="0"/>
+          <a:ext cx="0" cy="0"/>
+          <a:chOff x="0" y="0"/>
+          <a:chExt cx="0" cy="0"/>
+        </a:xfrm>
+      </p:grpSpPr>
+      <p:sp>
+        <p:nvSpPr>
+          <p:cNvPr id="2" name="Title 1">
+            <a:extLst>
+              <a:ext uri="{FF2B5EF4-FFF2-40B4-BE49-F238E27FC236}">
+                <a16:creationId xmlns:a16="http://schemas.microsoft.com/office/drawing/2014/main" id="{554FE314-3FE0-80CA-CE54-AE5710892AB6}"/>
+              </a:ext>
+            </a:extLst>
+          </p:cNvPr>
+          <p:cNvSpPr>
+            <a:spLocks noGrp="1"/>
+          </p:cNvSpPr>
+          <p:nvPr>
+            <p:ph type="title"/>
+          </p:nvPr>
+        </p:nvSpPr>
+        <p:spPr/>
+        <p:txBody>
+          <a:bodyPr/>
+          <a:lstStyle/>
+          <a:p>
+            <a:r>
+              <a:rPr lang="en-US" dirty="0"/>
+              <a:t>Links</a:t>
+            </a:r>
+          </a:p>
+        </p:txBody>
+      </p:sp>
+      <p:sp>
+        <p:nvSpPr>
+          <p:cNvPr id="3" name="Content Placeholder 2">
+            <a:extLst>
+              <a:ext uri="{FF2B5EF4-FFF2-40B4-BE49-F238E27FC236}">
+                <a16:creationId xmlns:a16="http://schemas.microsoft.com/office/drawing/2014/main" id="{FE63489E-197A-432E-9690-861D3E02DA31}"/>
+              </a:ext>
+            </a:extLst>
+          </p:cNvPr>
+          <p:cNvSpPr>
+            <a:spLocks noGrp="1"/>
+          </p:cNvSpPr>
+          <p:nvPr>
+            <p:ph idx="1"/>
+          </p:nvPr>
+        </p:nvSpPr>
+        <p:spPr/>
+        <p:txBody>
+          <a:bodyPr/>
+          <a:lstStyle/>
+          <a:p>
+            <a:pPr rtl="0">
+              <a:spcBef>
+                <a:spcPts val="1000"/>
+              </a:spcBef>
+              <a:spcAft>
+                <a:spcPts val="0"/>
+              </a:spcAft>
+            </a:pPr>
+            <a:r>
+              <a:rPr lang="en-US" sz="1800" b="0" i="0" u="sng" strike="noStrike" dirty="0">
+                <a:solidFill>
+                  <a:srgbClr val="0563C1"/>
+                </a:solidFill>
+                <a:effectLst/>
+                <a:latin typeface="Calibri" panose="020F0502020204030204" pitchFamily="34" charset="0"/>
+                <a:hlinkClick r:id="rId2"/>
+              </a:rPr>
+              <a:t>GitHub</a:t>
+            </a:r>
+            <a:endParaRPr lang="en-US" b="0" dirty="0">
+              <a:effectLst/>
+            </a:endParaRPr>
+          </a:p>
+          <a:p>
+            <a:pPr rtl="0">
+              <a:spcBef>
+                <a:spcPts val="1000"/>
+              </a:spcBef>
+              <a:spcAft>
+                <a:spcPts val="0"/>
+              </a:spcAft>
+            </a:pPr>
+            <a:r>
+              <a:rPr lang="en-US" sz="1800" b="0" i="0" u="sng" strike="noStrike" dirty="0">
+                <a:solidFill>
+                  <a:srgbClr val="0563C1"/>
+                </a:solidFill>
+                <a:effectLst/>
+                <a:latin typeface="Calibri" panose="020F0502020204030204" pitchFamily="34" charset="0"/>
+                <a:hlinkClick r:id="rId3"/>
+              </a:rPr>
+              <a:t>Blog</a:t>
+            </a:r>
+            <a:endParaRPr lang="en-US" b="0" dirty="0">
+              <a:effectLst/>
+            </a:endParaRPr>
+          </a:p>
+          <a:p>
+            <a:pPr rtl="0">
+              <a:spcBef>
+                <a:spcPts val="1000"/>
+              </a:spcBef>
+              <a:spcAft>
+                <a:spcPts val="0"/>
+              </a:spcAft>
+            </a:pPr>
+            <a:r>
+              <a:rPr lang="en-US" sz="1800" b="0" i="0" u="sng" strike="noStrike" dirty="0">
+                <a:solidFill>
+                  <a:srgbClr val="0563C1"/>
+                </a:solidFill>
+                <a:effectLst/>
+                <a:latin typeface="Calibri" panose="020F0502020204030204" pitchFamily="34" charset="0"/>
+                <a:hlinkClick r:id="rId4"/>
+              </a:rPr>
+              <a:t>Presentation</a:t>
+            </a:r>
+            <a:endParaRPr lang="en-US" b="0" dirty="0">
+              <a:effectLst/>
+            </a:endParaRPr>
+          </a:p>
+          <a:p>
+            <a:pPr marL="0" indent="0">
+              <a:buNone/>
+            </a:pPr>
+            <a:br>
+              <a:rPr lang="en-US" dirty="0"/>
+            </a:br>
+            <a:endParaRPr lang="en-US" dirty="0"/>
+          </a:p>
+        </p:txBody>
+      </p:sp>
+    </p:spTree>
+    <p:extLst>
+      <p:ext uri="{BB962C8B-B14F-4D97-AF65-F5344CB8AC3E}">
+        <p14:creationId xmlns:p14="http://schemas.microsoft.com/office/powerpoint/2010/main" val="3587302877"/>
+      </p:ext>
+    </p:extLst>
+  </p:cSld>
+  <p:clrMapOvr>
+    <a:masterClrMapping/>
+  </p:clrMapOvr>
+</p:sld>
+</file>
+
 <file path=ppt/theme/theme1.xml><?xml version="1.0" encoding="utf-8"?>
 <a:theme xmlns:a="http://schemas.openxmlformats.org/drawingml/2006/main" name="Office Theme">
   <a:themeElements>
@@ -4943,12 +5105,6 @@
 </file>
 
 <file path=customXml/item2.xml><?xml version="1.0" encoding="utf-8"?>
-<p:properties xmlns:p="http://schemas.microsoft.com/office/2006/metadata/properties" xmlns:xsi="http://www.w3.org/2001/XMLSchema-instance" xmlns:pc="http://schemas.microsoft.com/office/infopath/2007/PartnerControls">
-  <documentManagement/>
-</p:properties>
-</file>
-
-<file path=customXml/item3.xml><?xml version="1.0" encoding="utf-8"?>
 <ct:contentTypeSchema xmlns:ct="http://schemas.microsoft.com/office/2006/metadata/contentType" xmlns:ma="http://schemas.microsoft.com/office/2006/metadata/properties/metaAttributes" ct:_="" ma:_="" ma:contentTypeName="Document" ma:contentTypeID="0x010100394F00564EAF7B42BFA20942AA2AF835" ma:contentTypeVersion="5" ma:contentTypeDescription="Create a new document." ma:contentTypeScope="" ma:versionID="f173faa7f3fa6478cbf65af8df15f8ff">
   <xsd:schema xmlns:xsd="http://www.w3.org/2001/XMLSchema" xmlns:xs="http://www.w3.org/2001/XMLSchema" xmlns:p="http://schemas.microsoft.com/office/2006/metadata/properties" xmlns:ns3="cffd7456-c717-4b8c-b930-03dc25460da4" targetNamespace="http://schemas.microsoft.com/office/2006/metadata/properties" ma:root="true" ma:fieldsID="7aa0e0f84287624546f76ea464655f64" ns3:_="">
     <xsd:import namespace="cffd7456-c717-4b8c-b930-03dc25460da4"/>
@@ -5098,6 +5254,12 @@
 </ct:contentTypeSchema>
 </file>
 
+<file path=customXml/item3.xml><?xml version="1.0" encoding="utf-8"?>
+<p:properties xmlns:p="http://schemas.microsoft.com/office/2006/metadata/properties" xmlns:xsi="http://www.w3.org/2001/XMLSchema-instance" xmlns:pc="http://schemas.microsoft.com/office/infopath/2007/PartnerControls">
+  <documentManagement/>
+</p:properties>
+</file>
+
 <file path=customXml/itemProps1.xml><?xml version="1.0" encoding="utf-8"?>
 <ds:datastoreItem xmlns:ds="http://schemas.openxmlformats.org/officeDocument/2006/customXml" ds:itemID="{9F239C80-0045-43E9-BFE6-E7AB2B1A2769}">
   <ds:schemaRefs>
@@ -5107,22 +5269,6 @@
 </file>
 
 <file path=customXml/itemProps2.xml><?xml version="1.0" encoding="utf-8"?>
-<ds:datastoreItem xmlns:ds="http://schemas.openxmlformats.org/officeDocument/2006/customXml" ds:itemID="{A09A4A27-B70A-467E-862E-1C14BDCAC582}">
-  <ds:schemaRefs>
-    <ds:schemaRef ds:uri="cffd7456-c717-4b8c-b930-03dc25460da4"/>
-    <ds:schemaRef ds:uri="http://schemas.microsoft.com/office/2006/documentManagement/types"/>
-    <ds:schemaRef ds:uri="http://purl.org/dc/dcmitype/"/>
-    <ds:schemaRef ds:uri="http://purl.org/dc/terms/"/>
-    <ds:schemaRef ds:uri="http://schemas.microsoft.com/office/2006/metadata/properties"/>
-    <ds:schemaRef ds:uri="http://schemas.openxmlformats.org/package/2006/metadata/core-properties"/>
-    <ds:schemaRef ds:uri="http://schemas.microsoft.com/office/infopath/2007/PartnerControls"/>
-    <ds:schemaRef ds:uri="http://www.w3.org/XML/1998/namespace"/>
-    <ds:schemaRef ds:uri="http://purl.org/dc/elements/1.1/"/>
-  </ds:schemaRefs>
-</ds:datastoreItem>
-</file>
-
-<file path=customXml/itemProps3.xml><?xml version="1.0" encoding="utf-8"?>
 <ds:datastoreItem xmlns:ds="http://schemas.openxmlformats.org/officeDocument/2006/customXml" ds:itemID="{FC69C535-4D27-4338-B38F-6F363215F2FE}">
   <ds:schemaRefs>
     <ds:schemaRef ds:uri="cffd7456-c717-4b8c-b930-03dc25460da4"/>
@@ -5138,4 +5284,20 @@
     <ds:schemaRef ds:uri="http://www.w3.org/2001/XMLSchema"/>
   </ds:schemaRefs>
 </ds:datastoreItem>
+</file>
+
+<file path=customXml/itemProps3.xml><?xml version="1.0" encoding="utf-8"?>
+<ds:datastoreItem xmlns:ds="http://schemas.openxmlformats.org/officeDocument/2006/customXml" ds:itemID="{A09A4A27-B70A-467E-862E-1C14BDCAC582}">
+  <ds:schemaRefs>
+    <ds:schemaRef ds:uri="cffd7456-c717-4b8c-b930-03dc25460da4"/>
+    <ds:schemaRef ds:uri="http://schemas.microsoft.com/office/2006/documentManagement/types"/>
+    <ds:schemaRef ds:uri="http://purl.org/dc/dcmitype/"/>
+    <ds:schemaRef ds:uri="http://purl.org/dc/terms/"/>
+    <ds:schemaRef ds:uri="http://schemas.microsoft.com/office/2006/metadata/properties"/>
+    <ds:schemaRef ds:uri="http://schemas.openxmlformats.org/package/2006/metadata/core-properties"/>
+    <ds:schemaRef ds:uri="http://schemas.microsoft.com/office/infopath/2007/PartnerControls"/>
+    <ds:schemaRef ds:uri="http://www.w3.org/XML/1998/namespace"/>
+    <ds:schemaRef ds:uri="http://purl.org/dc/elements/1.1/"/>
+  </ds:schemaRefs>
+</ds:datastoreItem>
 </file>